--- a/RSD1/RDS1 Grp1.pptx
+++ b/RSD1/RDS1 Grp1.pptx
@@ -197,7 +197,7 @@
             <a:fld id="{962043F3-DC44-4CC8-A11D-CDB7A8DD7CEA}" type="datetimeFigureOut">
               <a:rPr lang="en-US" smtClean="0"/>
               <a:pPr/>
-              <a:t>2/9/2010</a:t>
+              <a:t>2/10/2010</a:t>
             </a:fld>
             <a:endParaRPr lang="en-US"/>
           </a:p>
@@ -1071,7 +1071,7 @@
             <a:fld id="{3E57D7DC-7299-43C9-BAE2-F335855B8707}" type="datetimeFigureOut">
               <a:rPr lang="en-US" smtClean="0"/>
               <a:pPr/>
-              <a:t>2/9/2010</a:t>
+              <a:t>2/10/2010</a:t>
             </a:fld>
             <a:endParaRPr lang="da-DK"/>
           </a:p>
@@ -1238,7 +1238,7 @@
             <a:fld id="{3E57D7DC-7299-43C9-BAE2-F335855B8707}" type="datetimeFigureOut">
               <a:rPr lang="en-US" smtClean="0"/>
               <a:pPr/>
-              <a:t>2/9/2010</a:t>
+              <a:t>2/10/2010</a:t>
             </a:fld>
             <a:endParaRPr lang="da-DK"/>
           </a:p>
@@ -1415,7 +1415,7 @@
             <a:fld id="{3E57D7DC-7299-43C9-BAE2-F335855B8707}" type="datetimeFigureOut">
               <a:rPr lang="en-US" smtClean="0"/>
               <a:pPr/>
-              <a:t>2/9/2010</a:t>
+              <a:t>2/10/2010</a:t>
             </a:fld>
             <a:endParaRPr lang="da-DK"/>
           </a:p>
@@ -1582,7 +1582,7 @@
             <a:fld id="{3E57D7DC-7299-43C9-BAE2-F335855B8707}" type="datetimeFigureOut">
               <a:rPr lang="en-US" smtClean="0"/>
               <a:pPr/>
-              <a:t>2/9/2010</a:t>
+              <a:t>2/10/2010</a:t>
             </a:fld>
             <a:endParaRPr lang="da-DK"/>
           </a:p>
@@ -1825,7 +1825,7 @@
             <a:fld id="{3E57D7DC-7299-43C9-BAE2-F335855B8707}" type="datetimeFigureOut">
               <a:rPr lang="en-US" smtClean="0"/>
               <a:pPr/>
-              <a:t>2/9/2010</a:t>
+              <a:t>2/10/2010</a:t>
             </a:fld>
             <a:endParaRPr lang="da-DK"/>
           </a:p>
@@ -2110,7 +2110,7 @@
             <a:fld id="{3E57D7DC-7299-43C9-BAE2-F335855B8707}" type="datetimeFigureOut">
               <a:rPr lang="en-US" smtClean="0"/>
               <a:pPr/>
-              <a:t>2/9/2010</a:t>
+              <a:t>2/10/2010</a:t>
             </a:fld>
             <a:endParaRPr lang="da-DK"/>
           </a:p>
@@ -2529,7 +2529,7 @@
             <a:fld id="{3E57D7DC-7299-43C9-BAE2-F335855B8707}" type="datetimeFigureOut">
               <a:rPr lang="en-US" smtClean="0"/>
               <a:pPr/>
-              <a:t>2/9/2010</a:t>
+              <a:t>2/10/2010</a:t>
             </a:fld>
             <a:endParaRPr lang="da-DK"/>
           </a:p>
@@ -2644,7 +2644,7 @@
             <a:fld id="{3E57D7DC-7299-43C9-BAE2-F335855B8707}" type="datetimeFigureOut">
               <a:rPr lang="en-US" smtClean="0"/>
               <a:pPr/>
-              <a:t>2/9/2010</a:t>
+              <a:t>2/10/2010</a:t>
             </a:fld>
             <a:endParaRPr lang="da-DK"/>
           </a:p>
@@ -2736,7 +2736,7 @@
             <a:fld id="{3E57D7DC-7299-43C9-BAE2-F335855B8707}" type="datetimeFigureOut">
               <a:rPr lang="en-US" smtClean="0"/>
               <a:pPr/>
-              <a:t>2/9/2010</a:t>
+              <a:t>2/10/2010</a:t>
             </a:fld>
             <a:endParaRPr lang="da-DK"/>
           </a:p>
@@ -3010,7 +3010,7 @@
             <a:fld id="{3E57D7DC-7299-43C9-BAE2-F335855B8707}" type="datetimeFigureOut">
               <a:rPr lang="en-US" smtClean="0"/>
               <a:pPr/>
-              <a:t>2/9/2010</a:t>
+              <a:t>2/10/2010</a:t>
             </a:fld>
             <a:endParaRPr lang="da-DK"/>
           </a:p>
@@ -3260,7 +3260,7 @@
             <a:fld id="{3E57D7DC-7299-43C9-BAE2-F335855B8707}" type="datetimeFigureOut">
               <a:rPr lang="en-US" smtClean="0"/>
               <a:pPr/>
-              <a:t>2/9/2010</a:t>
+              <a:t>2/10/2010</a:t>
             </a:fld>
             <a:endParaRPr lang="da-DK"/>
           </a:p>
@@ -3470,7 +3470,7 @@
             <a:fld id="{3E57D7DC-7299-43C9-BAE2-F335855B8707}" type="datetimeFigureOut">
               <a:rPr lang="en-US" smtClean="0"/>
               <a:pPr/>
-              <a:t>2/9/2010</a:t>
+              <a:t>2/10/2010</a:t>
             </a:fld>
             <a:endParaRPr lang="da-DK"/>
           </a:p>
@@ -3927,11 +3927,7 @@
           <a:p>
             <a:r>
               <a:rPr lang="en-US" dirty="0" smtClean="0"/>
-              <a:t>Subtask </a:t>
-            </a:r>
-            <a:r>
-              <a:rPr lang="en-US" dirty="0" smtClean="0"/>
-              <a:t>5 - </a:t>
+              <a:t>Subtask 5 - </a:t>
             </a:r>
             <a:r>
               <a:rPr lang="en-US" b="1" dirty="0" smtClean="0"/>
@@ -3972,70 +3968,42 @@
             <a:pPr lvl="1"/>
             <a:r>
               <a:rPr lang="en-US" dirty="0" smtClean="0"/>
-              <a:t>Everybody </a:t>
-            </a:r>
+              <a:t>Everybody knows that washing black and white together is a bad idea, but there are a lot more criteria to consider, to prepare a wash</a:t>
+            </a:r>
+          </a:p>
+          <a:p>
+            <a:pPr lvl="1"/>
             <a:r>
               <a:rPr lang="en-US" dirty="0" smtClean="0"/>
-              <a:t>knows that washing black and white together is a bad idea, but there are a lot more criteria to consider, to prepare a wash</a:t>
+              <a:t>Appropriate colors for joint was</a:t>
             </a:r>
           </a:p>
           <a:p>
             <a:pPr lvl="1"/>
             <a:r>
               <a:rPr lang="en-US" dirty="0" smtClean="0"/>
-              <a:t>Appropriate </a:t>
-            </a:r>
+              <a:t>Washing conditions –e.g. temperature, centrifugation, spinning speed, drying</a:t>
+            </a:r>
+          </a:p>
+          <a:p>
+            <a:pPr lvl="1"/>
             <a:r>
               <a:rPr lang="en-US" dirty="0" smtClean="0"/>
-              <a:t>colors for joint was</a:t>
+              <a:t>The appropriate amount of laundry should be prepared in piles or containers, which correspond to the load size of a washing machine</a:t>
             </a:r>
           </a:p>
           <a:p>
             <a:pPr lvl="1"/>
             <a:r>
               <a:rPr lang="en-US" dirty="0" smtClean="0"/>
-              <a:t>Washing </a:t>
-            </a:r>
+              <a:t>When elders move in their clothes will be tagged (subtask 6), but the washing recipes of each item should also be registered</a:t>
+            </a:r>
+          </a:p>
+          <a:p>
+            <a:pPr lvl="1"/>
             <a:r>
               <a:rPr lang="en-US" dirty="0" smtClean="0"/>
-              <a:t>conditions –e.g. temperature, centrifugation, spinning speed, drying</a:t>
-            </a:r>
-          </a:p>
-          <a:p>
-            <a:pPr lvl="1"/>
-            <a:r>
-              <a:rPr lang="en-US" dirty="0" smtClean="0"/>
-              <a:t>The </a:t>
-            </a:r>
-            <a:r>
-              <a:rPr lang="en-US" dirty="0" smtClean="0"/>
-              <a:t>appropriate amount of laundry should be prepared in piles or containers, which correspond to the load size of a washing machine</a:t>
-            </a:r>
-          </a:p>
-          <a:p>
-            <a:pPr lvl="1"/>
-            <a:r>
-              <a:rPr lang="en-US" dirty="0" smtClean="0"/>
-              <a:t>When </a:t>
-            </a:r>
-            <a:r>
-              <a:rPr lang="en-US" dirty="0" smtClean="0"/>
-              <a:t>elders move in their clothes will be tagged (subtask 6), but the washing recipes of each item should also be registered</a:t>
-            </a:r>
-          </a:p>
-          <a:p>
-            <a:pPr lvl="1"/>
-            <a:r>
-              <a:rPr lang="en-US" dirty="0" smtClean="0"/>
-              <a:t>That </a:t>
-            </a:r>
-            <a:r>
-              <a:rPr lang="en-US" dirty="0" smtClean="0"/>
-              <a:t>task should be simple for the </a:t>
-            </a:r>
-            <a:r>
-              <a:rPr lang="en-US" dirty="0" smtClean="0"/>
-              <a:t>staff</a:t>
+              <a:t>That task should be simple for the staff</a:t>
             </a:r>
           </a:p>
           <a:p>
@@ -4043,17 +4011,12 @@
               <a:rPr lang="en-US" dirty="0" smtClean="0"/>
               <a:t>Challenges</a:t>
             </a:r>
-            <a:endParaRPr lang="en-US" dirty="0" smtClean="0"/>
           </a:p>
           <a:p>
             <a:pPr lvl="1"/>
             <a:r>
               <a:rPr lang="en-US" dirty="0" smtClean="0"/>
-              <a:t>Together </a:t>
-            </a:r>
-            <a:r>
-              <a:rPr lang="en-US" dirty="0" smtClean="0"/>
-              <a:t>with group of subtask 6 create an easy an </a:t>
+              <a:t>Together with group of subtask 6 create an easy an </a:t>
             </a:r>
             <a:r>
               <a:rPr lang="en-US" dirty="0" err="1" smtClean="0"/>
@@ -4068,33 +4031,21 @@
             <a:pPr lvl="1"/>
             <a:r>
               <a:rPr lang="en-US" dirty="0" smtClean="0"/>
-              <a:t>Control </a:t>
-            </a:r>
+              <a:t>Control criteria for the robot arm in subtask 4</a:t>
+            </a:r>
+          </a:p>
+          <a:p>
+            <a:pPr lvl="1"/>
             <a:r>
               <a:rPr lang="en-US" dirty="0" smtClean="0"/>
-              <a:t>criteria for the robot arm in subtask 4</a:t>
+              <a:t>Close collaboration with subtask 4 and 6</a:t>
             </a:r>
           </a:p>
           <a:p>
             <a:pPr lvl="1"/>
             <a:r>
               <a:rPr lang="en-US" dirty="0" smtClean="0"/>
-              <a:t>Close </a:t>
-            </a:r>
-            <a:r>
-              <a:rPr lang="en-US" dirty="0" smtClean="0"/>
-              <a:t>collaboration with subtask 4 and 6</a:t>
-            </a:r>
-          </a:p>
-          <a:p>
-            <a:pPr lvl="1"/>
-            <a:r>
-              <a:rPr lang="en-US" dirty="0" smtClean="0"/>
-              <a:t>Perhaps </a:t>
-            </a:r>
-            <a:r>
-              <a:rPr lang="en-US" dirty="0" smtClean="0"/>
-              <a:t>some “untagged” clothes </a:t>
+              <a:t>Perhaps some “untagged” clothes </a:t>
             </a:r>
             <a:r>
               <a:rPr lang="en-US" dirty="0" err="1" smtClean="0"/>
@@ -4102,42 +4053,26 @@
             </a:r>
             <a:r>
               <a:rPr lang="en-US" dirty="0" smtClean="0"/>
-              <a:t> put in washing </a:t>
-            </a:r>
+              <a:t> put in washing bags?</a:t>
+            </a:r>
+          </a:p>
+          <a:p>
             <a:r>
               <a:rPr lang="en-US" dirty="0" smtClean="0"/>
-              <a:t>bags?</a:t>
+              <a:t>Technologies available</a:t>
             </a:r>
           </a:p>
           <a:p>
             <a:r>
               <a:rPr lang="en-US" dirty="0" smtClean="0"/>
-              <a:t>Technologies </a:t>
-            </a:r>
+              <a:t>Supervision support</a:t>
+            </a:r>
+          </a:p>
+          <a:p>
+            <a:pPr lvl="1"/>
             <a:r>
               <a:rPr lang="en-US" dirty="0" smtClean="0"/>
-              <a:t>available</a:t>
-            </a:r>
-          </a:p>
-          <a:p>
-            <a:r>
-              <a:rPr lang="en-US" dirty="0" smtClean="0"/>
-              <a:t>Supervision </a:t>
-            </a:r>
-            <a:r>
-              <a:rPr lang="en-US" dirty="0" smtClean="0"/>
-              <a:t>support</a:t>
-            </a:r>
-          </a:p>
-          <a:p>
-            <a:pPr lvl="1"/>
-            <a:r>
-              <a:rPr lang="en-US" dirty="0" smtClean="0"/>
-              <a:t>RSD </a:t>
-            </a:r>
-            <a:r>
-              <a:rPr lang="en-US" dirty="0" smtClean="0"/>
-              <a:t>general supervisors (Kasper, </a:t>
+              <a:t>RSD general supervisors (Kasper, </a:t>
             </a:r>
             <a:r>
               <a:rPr lang="en-US" dirty="0" err="1" smtClean="0"/>
@@ -4145,11 +4080,7 @@
             </a:r>
             <a:r>
               <a:rPr lang="en-US" dirty="0" smtClean="0"/>
-              <a:t>, and </a:t>
-            </a:r>
-            <a:r>
-              <a:rPr lang="en-US" dirty="0" smtClean="0"/>
-              <a:t>Pedro)</a:t>
+              <a:t>, and Pedro)</a:t>
             </a:r>
           </a:p>
           <a:p>
@@ -4158,7 +4089,6 @@
               <a:rPr lang="en-US" dirty="0" smtClean="0"/>
               <a:t>Spring 2010Robot </a:t>
             </a:r>
-            <a:endParaRPr lang="en-US" dirty="0" smtClean="0"/>
           </a:p>
         </p:txBody>
       </p:sp>
@@ -4204,11 +4134,7 @@
           <a:p>
             <a:r>
               <a:rPr lang="en-US" dirty="0" smtClean="0"/>
-              <a:t>Subtask </a:t>
-            </a:r>
-            <a:r>
-              <a:rPr lang="en-US" dirty="0" smtClean="0"/>
-              <a:t>5 – </a:t>
+              <a:t>Subtask 5 – </a:t>
             </a:r>
             <a:r>
               <a:rPr lang="en-US" b="1" dirty="0" smtClean="0"/>
@@ -4230,42 +4156,64 @@
         </p:nvSpPr>
         <p:spPr/>
         <p:txBody>
-          <a:bodyPr/>
+          <a:bodyPr>
+            <a:normAutofit/>
+          </a:bodyPr>
           <a:lstStyle/>
           <a:p>
             <a:r>
               <a:rPr lang="en-US" dirty="0" smtClean="0"/>
-              <a:t>Color</a:t>
-            </a:r>
-          </a:p>
-          <a:p>
+              <a:t>Owner</a:t>
+            </a:r>
+            <a:endParaRPr lang="en-US" dirty="0" smtClean="0"/>
+          </a:p>
+          <a:p>
+            <a:r>
+              <a:rPr lang="en-US" dirty="0" smtClean="0"/>
+              <a:t>Item/Color</a:t>
+            </a:r>
+            <a:r>
+              <a:rPr lang="en-US" dirty="0" smtClean="0"/>
+              <a:t>/</a:t>
+            </a:r>
             <a:r>
               <a:rPr lang="en-US" dirty="0" smtClean="0"/>
               <a:t>Material</a:t>
             </a:r>
+            <a:endParaRPr lang="en-US" dirty="0" smtClean="0"/>
           </a:p>
           <a:p>
             <a:r>
               <a:rPr lang="en-US" dirty="0" smtClean="0"/>
-              <a:t>Washing temperature</a:t>
-            </a:r>
-          </a:p>
-          <a:p>
+              <a:t>Washing </a:t>
+            </a:r>
             <a:r>
               <a:rPr lang="en-US" dirty="0" smtClean="0"/>
-              <a:t>Owner</a:t>
+              <a:t>temperature</a:t>
             </a:r>
           </a:p>
           <a:p>
             <a:r>
               <a:rPr lang="en-US" dirty="0" smtClean="0"/>
-              <a:t>Bundled clothes</a:t>
-            </a:r>
+              <a:t>Laundry detergent </a:t>
+            </a:r>
+            <a:endParaRPr lang="en-US" dirty="0" smtClean="0"/>
           </a:p>
           <a:p>
             <a:r>
               <a:rPr lang="en-US" dirty="0" smtClean="0"/>
-              <a:t>Number of laundry machine available </a:t>
+              <a:t>Bundled clothes (laundry net)</a:t>
+            </a:r>
+            <a:endParaRPr lang="en-US" dirty="0" smtClean="0"/>
+          </a:p>
+          <a:p>
+            <a:r>
+              <a:rPr lang="en-US" dirty="0" smtClean="0"/>
+              <a:t>Number of laundry machine </a:t>
+            </a:r>
+            <a:r>
+              <a:rPr lang="en-US" dirty="0" smtClean="0"/>
+              <a:t>available</a:t>
             </a:r>
           </a:p>
         </p:txBody>
@@ -4335,13 +4283,8 @@
           <a:p>
             <a:r>
               <a:rPr lang="en-US" dirty="0" smtClean="0"/>
-              <a:t>Get Information (subtask 4 and 6</a:t>
-            </a:r>
-            <a:r>
-              <a:rPr lang="en-US" dirty="0" smtClean="0"/>
-              <a:t>)</a:t>
-            </a:r>
-            <a:endParaRPr lang="en-US" dirty="0" smtClean="0"/>
+              <a:t>Get Information (subtask 4 and 6)</a:t>
+            </a:r>
           </a:p>
           <a:p>
             <a:r>
@@ -4512,11 +4455,7 @@
           <a:p>
             <a:r>
               <a:rPr lang="en-US" dirty="0" smtClean="0"/>
-              <a:t>To </a:t>
-            </a:r>
-            <a:r>
-              <a:rPr lang="en-US" dirty="0" smtClean="0"/>
-              <a:t>Do List</a:t>
+              <a:t>To Do List</a:t>
             </a:r>
           </a:p>
           <a:p>
@@ -4525,7 +4464,6 @@
               <a:rPr lang="en-US" dirty="0" smtClean="0"/>
               <a:t>Give task to robots or other systems</a:t>
             </a:r>
-            <a:endParaRPr lang="en-US" dirty="0" smtClean="0"/>
           </a:p>
         </p:txBody>
       </p:sp>

--- a/RSD1/RDS1 Grp1.pptx
+++ b/RSD1/RDS1 Grp1.pptx
@@ -5,7 +5,7 @@
     <p:sldMasterId id="2147483648" r:id="rId1"/>
   </p:sldMasterIdLst>
   <p:notesMasterIdLst>
-    <p:notesMasterId r:id="rId7"/>
+    <p:notesMasterId r:id="rId8"/>
   </p:notesMasterIdLst>
   <p:sldIdLst>
     <p:sldId id="256" r:id="rId2"/>
@@ -13,6 +13,7 @@
     <p:sldId id="260" r:id="rId4"/>
     <p:sldId id="259" r:id="rId5"/>
     <p:sldId id="258" r:id="rId6"/>
+    <p:sldId id="261" r:id="rId7"/>
   </p:sldIdLst>
   <p:sldSz cx="9144000" cy="6858000" type="screen4x3"/>
   <p:notesSz cx="6858000" cy="9144000"/>
@@ -876,6 +877,92 @@
               <a:rPr lang="en-US" smtClean="0"/>
               <a:pPr/>
               <a:t>5</a:t>
+            </a:fld>
+            <a:endParaRPr lang="en-US"/>
+          </a:p>
+        </p:txBody>
+      </p:sp>
+    </p:spTree>
+  </p:cSld>
+  <p:clrMapOvr>
+    <a:masterClrMapping/>
+  </p:clrMapOvr>
+</p:notes>
+</file>
+
+<file path=ppt/notesSlides/notesSlide6.xml><?xml version="1.0" encoding="utf-8"?>
+<p:notes xmlns:a="http://schemas.openxmlformats.org/drawingml/2006/main" xmlns:r="http://schemas.openxmlformats.org/officeDocument/2006/relationships" xmlns:p="http://schemas.openxmlformats.org/presentationml/2006/main">
+  <p:cSld>
+    <p:spTree>
+      <p:nvGrpSpPr>
+        <p:cNvPr id="1" name=""/>
+        <p:cNvGrpSpPr/>
+        <p:nvPr/>
+      </p:nvGrpSpPr>
+      <p:grpSpPr>
+        <a:xfrm>
+          <a:off x="0" y="0"/>
+          <a:ext cx="0" cy="0"/>
+          <a:chOff x="0" y="0"/>
+          <a:chExt cx="0" cy="0"/>
+        </a:xfrm>
+      </p:grpSpPr>
+      <p:sp>
+        <p:nvSpPr>
+          <p:cNvPr id="2" name="Pladsholder til diasbillede 1"/>
+          <p:cNvSpPr>
+            <a:spLocks noGrp="1" noRot="1" noChangeAspect="1"/>
+          </p:cNvSpPr>
+          <p:nvPr>
+            <p:ph type="sldImg"/>
+          </p:nvPr>
+        </p:nvSpPr>
+        <p:spPr/>
+      </p:sp>
+      <p:sp>
+        <p:nvSpPr>
+          <p:cNvPr id="3" name="Pladsholder til noter 2"/>
+          <p:cNvSpPr>
+            <a:spLocks noGrp="1"/>
+          </p:cNvSpPr>
+          <p:nvPr>
+            <p:ph type="body" idx="1"/>
+          </p:nvPr>
+        </p:nvSpPr>
+        <p:spPr/>
+        <p:txBody>
+          <a:bodyPr>
+            <a:normAutofit/>
+          </a:bodyPr>
+          <a:lstStyle/>
+          <a:p>
+            <a:pPr>
+              <a:buFont typeface="Arial" pitchFamily="34" charset="0"/>
+              <a:buNone/>
+            </a:pPr>
+            <a:endParaRPr lang="en-US" noProof="0" dirty="0"/>
+          </a:p>
+        </p:txBody>
+      </p:sp>
+      <p:sp>
+        <p:nvSpPr>
+          <p:cNvPr id="4" name="Pladsholder til diasnummer 3"/>
+          <p:cNvSpPr>
+            <a:spLocks noGrp="1"/>
+          </p:cNvSpPr>
+          <p:nvPr>
+            <p:ph type="sldNum" sz="quarter" idx="10"/>
+          </p:nvPr>
+        </p:nvSpPr>
+        <p:spPr/>
+        <p:txBody>
+          <a:bodyPr/>
+          <a:lstStyle/>
+          <a:p>
+            <a:fld id="{4FD341E5-9E5E-46A0-9578-2DC388B5496E}" type="slidenum">
+              <a:rPr lang="en-US" smtClean="0"/>
+              <a:pPr/>
+              <a:t>6</a:t>
             </a:fld>
             <a:endParaRPr lang="en-US"/>
           </a:p>
@@ -4165,37 +4252,27 @@
               <a:rPr lang="en-US" dirty="0" smtClean="0"/>
               <a:t>Owner</a:t>
             </a:r>
-            <a:endParaRPr lang="en-US" dirty="0" smtClean="0"/>
           </a:p>
           <a:p>
             <a:r>
               <a:rPr lang="en-US" dirty="0" smtClean="0"/>
-              <a:t>Item/Color</a:t>
-            </a:r>
+              <a:t>Item/Color/Material</a:t>
+            </a:r>
+          </a:p>
+          <a:p>
             <a:r>
               <a:rPr lang="en-US" dirty="0" smtClean="0"/>
-              <a:t>/</a:t>
-            </a:r>
+              <a:t>Washing temperature</a:t>
+            </a:r>
+          </a:p>
+          <a:p>
             <a:r>
               <a:rPr lang="en-US" dirty="0" smtClean="0"/>
-              <a:t>Material</a:t>
-            </a:r>
-            <a:endParaRPr lang="en-US" dirty="0" smtClean="0"/>
-          </a:p>
-          <a:p>
+              <a:t>Laundry </a:t>
+            </a:r>
             <a:r>
               <a:rPr lang="en-US" dirty="0" smtClean="0"/>
-              <a:t>Washing </a:t>
-            </a:r>
-            <a:r>
-              <a:rPr lang="en-US" dirty="0" smtClean="0"/>
-              <a:t>temperature</a:t>
-            </a:r>
-          </a:p>
-          <a:p>
-            <a:r>
-              <a:rPr lang="en-US" dirty="0" smtClean="0"/>
-              <a:t>Laundry detergent </a:t>
+              <a:t>detergent/Washing recipe </a:t>
             </a:r>
             <a:endParaRPr lang="en-US" dirty="0" smtClean="0"/>
           </a:p>
@@ -4204,16 +4281,11 @@
               <a:rPr lang="en-US" dirty="0" smtClean="0"/>
               <a:t>Bundled clothes (laundry net)</a:t>
             </a:r>
-            <a:endParaRPr lang="en-US" dirty="0" smtClean="0"/>
           </a:p>
           <a:p>
             <a:r>
               <a:rPr lang="en-US" dirty="0" smtClean="0"/>
-              <a:t>Number of laundry machine </a:t>
-            </a:r>
-            <a:r>
-              <a:rPr lang="en-US" dirty="0" smtClean="0"/>
-              <a:t>available</a:t>
+              <a:t>Number of laundry machine available</a:t>
             </a:r>
           </a:p>
         </p:txBody>
@@ -4464,6 +4536,80 @@
               <a:rPr lang="en-US" dirty="0" smtClean="0"/>
               <a:t>Give task to robots or other systems</a:t>
             </a:r>
+          </a:p>
+        </p:txBody>
+      </p:sp>
+    </p:spTree>
+  </p:cSld>
+  <p:clrMapOvr>
+    <a:masterClrMapping/>
+  </p:clrMapOvr>
+</p:sld>
+</file>
+
+<file path=ppt/slides/slide6.xml><?xml version="1.0" encoding="utf-8"?>
+<p:sld xmlns:a="http://schemas.openxmlformats.org/drawingml/2006/main" xmlns:r="http://schemas.openxmlformats.org/officeDocument/2006/relationships" xmlns:p="http://schemas.openxmlformats.org/presentationml/2006/main">
+  <p:cSld>
+    <p:spTree>
+      <p:nvGrpSpPr>
+        <p:cNvPr id="1" name=""/>
+        <p:cNvGrpSpPr/>
+        <p:nvPr/>
+      </p:nvGrpSpPr>
+      <p:grpSpPr>
+        <a:xfrm>
+          <a:off x="0" y="0"/>
+          <a:ext cx="0" cy="0"/>
+          <a:chOff x="0" y="0"/>
+          <a:chExt cx="0" cy="0"/>
+        </a:xfrm>
+      </p:grpSpPr>
+      <p:sp>
+        <p:nvSpPr>
+          <p:cNvPr id="2" name="Title 1"/>
+          <p:cNvSpPr>
+            <a:spLocks noGrp="1"/>
+          </p:cNvSpPr>
+          <p:nvPr>
+            <p:ph type="title"/>
+          </p:nvPr>
+        </p:nvSpPr>
+        <p:spPr/>
+        <p:txBody>
+          <a:bodyPr/>
+          <a:lstStyle/>
+          <a:p>
+            <a:r>
+              <a:rPr lang="en-US" dirty="0" smtClean="0"/>
+              <a:t>Questions</a:t>
+            </a:r>
+            <a:endParaRPr lang="en-US" dirty="0"/>
+          </a:p>
+        </p:txBody>
+      </p:sp>
+      <p:sp>
+        <p:nvSpPr>
+          <p:cNvPr id="3" name="Content Placeholder 2"/>
+          <p:cNvSpPr>
+            <a:spLocks noGrp="1"/>
+          </p:cNvSpPr>
+          <p:nvPr>
+            <p:ph idx="1"/>
+          </p:nvPr>
+        </p:nvSpPr>
+        <p:spPr>
+          <a:xfrm>
+            <a:off x="457200" y="1600200"/>
+            <a:ext cx="8229600" cy="5257800"/>
+          </a:xfrm>
+        </p:spPr>
+        <p:txBody>
+          <a:bodyPr>
+            <a:normAutofit/>
+          </a:bodyPr>
+          <a:lstStyle/>
+          <a:p>
+            <a:endParaRPr lang="en-US" dirty="0" smtClean="0"/>
           </a:p>
         </p:txBody>
       </p:sp>
